--- a/src/server/default-white.pptx
+++ b/src/server/default-white.pptx
@@ -101,6 +101,22 @@
       </a:defRPr>
     </a:lvl9pPr>
   </p:defaultTextStyle>
+  <p:extLst>
+    <p:ext uri="{EFAFB233-063F-42B5-8137-9DF3F51BA10A}">
+      <p15:sldGuideLst xmlns:p15="http://schemas.microsoft.com/office/powerpoint/2012/main">
+        <p15:guide id="1" orient="horz" pos="2160">
+          <p15:clr>
+            <a:srgbClr val="A4A3A4"/>
+          </p15:clr>
+        </p15:guide>
+        <p15:guide id="2" pos="2880">
+          <p15:clr>
+            <a:srgbClr val="A4A3A4"/>
+          </p15:clr>
+        </p15:guide>
+      </p15:sldGuideLst>
+    </p:ext>
+  </p:extLst>
 </p:presentation>
 </file>
 
@@ -285,7 +301,7 @@
           <a:p>
             <a:fld id="{5BCAD085-E8A6-8845-BD4E-CB4CCA059FC4}" type="datetimeFigureOut">
               <a:rPr lang="en-US" smtClean="0"/>
-              <a:t>7/15/2016</a:t>
+              <a:t>7/19/2016</a:t>
             </a:fld>
             <a:endParaRPr lang="en-US"/>
           </a:p>
@@ -387,7 +403,7 @@
           <a:p>
             <a:fld id="{5BCAD085-E8A6-8845-BD4E-CB4CCA059FC4}" type="datetimeFigureOut">
               <a:rPr lang="en-US" smtClean="0"/>
-              <a:t>7/15/2016</a:t>
+              <a:t>7/19/2016</a:t>
             </a:fld>
             <a:endParaRPr lang="en-US"/>
           </a:p>
@@ -439,7 +455,7 @@
         <p:nvSpPr>
           <p:cNvPr id="9" name="Bildplatzhalter 8" title="Pic1"/>
           <p:cNvSpPr>
-            <a:spLocks noGrp="1"/>
+            <a:spLocks noGrp="1" noChangeAspect="1"/>
           </p:cNvSpPr>
           <p:nvPr>
             <p:ph type="pic" sz="quarter" idx="13"/>
@@ -447,15 +463,15 @@
         </p:nvSpPr>
         <p:spPr>
           <a:xfrm>
-            <a:off x="457200" y="420785"/>
-            <a:ext cx="8229600" cy="5818173"/>
+            <a:off x="457200" y="349200"/>
+            <a:ext cx="8229600" cy="5818175"/>
           </a:xfrm>
         </p:spPr>
         <p:txBody>
           <a:bodyPr/>
           <a:lstStyle/>
           <a:p>
-            <a:endParaRPr lang="de-DE"/>
+            <a:endParaRPr lang="de-DE" dirty="0"/>
           </a:p>
         </p:txBody>
       </p:sp>
@@ -513,7 +529,7 @@
           <a:p>
             <a:fld id="{5BCAD085-E8A6-8845-BD4E-CB4CCA059FC4}" type="datetimeFigureOut">
               <a:rPr lang="en-US" smtClean="0"/>
-              <a:t>7/15/2016</a:t>
+              <a:t>7/19/2016</a:t>
             </a:fld>
             <a:endParaRPr lang="en-US"/>
           </a:p>
@@ -565,7 +581,7 @@
         <p:nvSpPr>
           <p:cNvPr id="9" name="Bildplatzhalter 8" title="Pic1"/>
           <p:cNvSpPr>
-            <a:spLocks noGrp="1"/>
+            <a:spLocks noGrp="1" noChangeAspect="1"/>
           </p:cNvSpPr>
           <p:nvPr>
             <p:ph type="pic" sz="quarter" idx="13"/>
@@ -573,8 +589,8 @@
         </p:nvSpPr>
         <p:spPr>
           <a:xfrm>
-            <a:off x="457200" y="315589"/>
-            <a:ext cx="8229600" cy="5008969"/>
+            <a:off x="457200" y="316800"/>
+            <a:ext cx="8229600" cy="5008971"/>
           </a:xfrm>
         </p:spPr>
         <p:txBody>
@@ -651,7 +667,7 @@
         <p:nvSpPr>
           <p:cNvPr id="16" name="Bildplatzhalter 14"/>
           <p:cNvSpPr>
-            <a:spLocks noGrp="1"/>
+            <a:spLocks noGrp="1" noChangeAspect="1"/>
           </p:cNvSpPr>
           <p:nvPr>
             <p:ph type="pic" sz="quarter" idx="13"/>
@@ -675,7 +691,7 @@
         <p:nvSpPr>
           <p:cNvPr id="17" name="Bildplatzhalter 14"/>
           <p:cNvSpPr>
-            <a:spLocks noGrp="1"/>
+            <a:spLocks noGrp="1" noChangeAspect="1"/>
           </p:cNvSpPr>
           <p:nvPr>
             <p:ph type="pic" sz="quarter" idx="14"/>
@@ -683,8 +699,8 @@
         </p:nvSpPr>
         <p:spPr>
           <a:xfrm>
-            <a:off x="4649788" y="452438"/>
-            <a:ext cx="4040188" cy="5673725"/>
+            <a:off x="4702629" y="453600"/>
+            <a:ext cx="3987347" cy="5687247"/>
           </a:xfrm>
         </p:spPr>
         <p:txBody>
@@ -712,7 +728,7 @@
           <a:p>
             <a:fld id="{5BCAD085-E8A6-8845-BD4E-CB4CCA059FC4}" type="datetimeFigureOut">
               <a:rPr lang="en-US" smtClean="0"/>
-              <a:t>7/15/2016</a:t>
+              <a:t>7/19/2016</a:t>
             </a:fld>
             <a:endParaRPr lang="en-US"/>
           </a:p>
@@ -801,7 +817,7 @@
         <p:nvSpPr>
           <p:cNvPr id="16" name="Bildplatzhalter 14"/>
           <p:cNvSpPr>
-            <a:spLocks noGrp="1"/>
+            <a:spLocks noGrp="1" noChangeAspect="1"/>
           </p:cNvSpPr>
           <p:nvPr>
             <p:ph type="pic" sz="quarter" idx="13"/>
@@ -825,7 +841,7 @@
         <p:nvSpPr>
           <p:cNvPr id="17" name="Bildplatzhalter 14"/>
           <p:cNvSpPr>
-            <a:spLocks noGrp="1"/>
+            <a:spLocks noGrp="1" noChangeAspect="1"/>
           </p:cNvSpPr>
           <p:nvPr>
             <p:ph type="pic" sz="quarter" idx="14"/>
@@ -862,7 +878,7 @@
           <a:p>
             <a:fld id="{5BCAD085-E8A6-8845-BD4E-CB4CCA059FC4}" type="datetimeFigureOut">
               <a:rPr lang="en-US" smtClean="0"/>
-              <a:t>7/15/2016</a:t>
+              <a:t>7/19/2016</a:t>
             </a:fld>
             <a:endParaRPr lang="en-US"/>
           </a:p>
@@ -1132,7 +1148,7 @@
           <a:p>
             <a:fld id="{5BCAD085-E8A6-8845-BD4E-CB4CCA059FC4}" type="datetimeFigureOut">
               <a:rPr lang="en-US" smtClean="0"/>
-              <a:t>7/15/2016</a:t>
+              <a:t>7/19/2016</a:t>
             </a:fld>
             <a:endParaRPr lang="en-US"/>
           </a:p>

--- a/src/server/default-white.pptx
+++ b/src/server/default-white.pptx
@@ -4,6 +4,12 @@
   <p:sldMasterIdLst>
     <p:sldMasterId id="2147483648" r:id="rId1"/>
   </p:sldMasterIdLst>
+  <p:notesMasterIdLst>
+    <p:notesMasterId r:id="rId2"/>
+  </p:notesMasterIdLst>
+  <p:handoutMasterIdLst>
+    <p:handoutMasterId r:id="rId3"/>
+  </p:handoutMasterIdLst>
   <p:sldSz cx="9144000" cy="6858000" type="screen4x3"/>
   <p:notesSz cx="6858000" cy="9144000"/>
   <p:defaultTextStyle>
@@ -101,23 +107,522 @@
       </a:defRPr>
     </a:lvl9pPr>
   </p:defaultTextStyle>
-  <p:extLst>
-    <p:ext uri="{EFAFB233-063F-42B5-8137-9DF3F51BA10A}">
-      <p15:sldGuideLst xmlns:p15="http://schemas.microsoft.com/office/powerpoint/2012/main">
-        <p15:guide id="1" orient="horz" pos="2160">
-          <p15:clr>
-            <a:srgbClr val="A4A3A4"/>
-          </p15:clr>
-        </p15:guide>
-        <p15:guide id="2" pos="2880">
-          <p15:clr>
-            <a:srgbClr val="A4A3A4"/>
-          </p15:clr>
-        </p15:guide>
-      </p15:sldGuideLst>
-    </p:ext>
-  </p:extLst>
 </p:presentation>
+</file>
+
+<file path=ppt/handoutMasters/handoutMaster1.xml><?xml version="1.0" encoding="utf-8"?>
+<p:handoutMaster xmlns:a="http://schemas.openxmlformats.org/drawingml/2006/main" xmlns:r="http://schemas.openxmlformats.org/officeDocument/2006/relationships" xmlns:p="http://schemas.openxmlformats.org/presentationml/2006/main">
+  <p:cSld>
+    <p:bg>
+      <p:bgRef idx="1001">
+        <a:schemeClr val="bg1"/>
+      </p:bgRef>
+    </p:bg>
+    <p:spTree>
+      <p:nvGrpSpPr>
+        <p:cNvPr id="1" name=""/>
+        <p:cNvGrpSpPr/>
+        <p:nvPr/>
+      </p:nvGrpSpPr>
+      <p:grpSpPr>
+        <a:xfrm>
+          <a:off x="0" y="0"/>
+          <a:ext cx="0" cy="0"/>
+          <a:chOff x="0" y="0"/>
+          <a:chExt cx="0" cy="0"/>
+        </a:xfrm>
+      </p:grpSpPr>
+      <p:sp>
+        <p:nvSpPr>
+          <p:cNvPr id="2" name="Kopfzeilenplatzhalter 1"/>
+          <p:cNvSpPr>
+            <a:spLocks noGrp="1"/>
+          </p:cNvSpPr>
+          <p:nvPr>
+            <p:ph type="hdr" sz="quarter"/>
+          </p:nvPr>
+        </p:nvSpPr>
+        <p:spPr>
+          <a:xfrm>
+            <a:off x="0" y="0"/>
+            <a:ext cx="2971800" cy="457200"/>
+          </a:xfrm>
+          <a:prstGeom prst="rect">
+            <a:avLst/>
+          </a:prstGeom>
+        </p:spPr>
+        <p:txBody>
+          <a:bodyPr vert="horz" lIns="91440" tIns="45720" rIns="91440" bIns="45720" rtlCol="0"/>
+          <a:lstStyle>
+            <a:lvl1pPr algn="l">
+              <a:defRPr sz="1200"/>
+            </a:lvl1pPr>
+          </a:lstStyle>
+          <a:p>
+            <a:endParaRPr lang="de-DE"/>
+          </a:p>
+        </p:txBody>
+      </p:sp>
+      <p:sp>
+        <p:nvSpPr>
+          <p:cNvPr id="3" name="Datumsplatzhalter 2"/>
+          <p:cNvSpPr>
+            <a:spLocks noGrp="1"/>
+          </p:cNvSpPr>
+          <p:nvPr>
+            <p:ph type="dt" sz="quarter" idx="1"/>
+          </p:nvPr>
+        </p:nvSpPr>
+        <p:spPr>
+          <a:xfrm>
+            <a:off x="3884613" y="0"/>
+            <a:ext cx="2971800" cy="457200"/>
+          </a:xfrm>
+          <a:prstGeom prst="rect">
+            <a:avLst/>
+          </a:prstGeom>
+        </p:spPr>
+        <p:txBody>
+          <a:bodyPr vert="horz" lIns="91440" tIns="45720" rIns="91440" bIns="45720" rtlCol="0"/>
+          <a:lstStyle>
+            <a:lvl1pPr algn="r">
+              <a:defRPr sz="1200"/>
+            </a:lvl1pPr>
+          </a:lstStyle>
+          <a:p>
+            <a:fld id="{8B5267AF-DFA3-4050-831C-1828E4462933}" type="datetimeFigureOut">
+              <a:rPr lang="de-DE" smtClean="0"/>
+              <a:t>13.12.2016</a:t>
+            </a:fld>
+            <a:endParaRPr lang="de-DE"/>
+          </a:p>
+        </p:txBody>
+      </p:sp>
+      <p:sp>
+        <p:nvSpPr>
+          <p:cNvPr id="4" name="Fußzeilenplatzhalter 3"/>
+          <p:cNvSpPr>
+            <a:spLocks noGrp="1"/>
+          </p:cNvSpPr>
+          <p:nvPr>
+            <p:ph type="ftr" sz="quarter" idx="2"/>
+          </p:nvPr>
+        </p:nvSpPr>
+        <p:spPr>
+          <a:xfrm>
+            <a:off x="0" y="8685213"/>
+            <a:ext cx="2971800" cy="457200"/>
+          </a:xfrm>
+          <a:prstGeom prst="rect">
+            <a:avLst/>
+          </a:prstGeom>
+        </p:spPr>
+        <p:txBody>
+          <a:bodyPr vert="horz" lIns="91440" tIns="45720" rIns="91440" bIns="45720" rtlCol="0" anchor="b"/>
+          <a:lstStyle>
+            <a:lvl1pPr algn="l">
+              <a:defRPr sz="1200"/>
+            </a:lvl1pPr>
+          </a:lstStyle>
+          <a:p>
+            <a:endParaRPr lang="de-DE"/>
+          </a:p>
+        </p:txBody>
+      </p:sp>
+      <p:sp>
+        <p:nvSpPr>
+          <p:cNvPr id="5" name="Foliennummernplatzhalter 4"/>
+          <p:cNvSpPr>
+            <a:spLocks noGrp="1"/>
+          </p:cNvSpPr>
+          <p:nvPr>
+            <p:ph type="sldNum" sz="quarter" idx="3"/>
+          </p:nvPr>
+        </p:nvSpPr>
+        <p:spPr>
+          <a:xfrm>
+            <a:off x="3884613" y="8685213"/>
+            <a:ext cx="2971800" cy="457200"/>
+          </a:xfrm>
+          <a:prstGeom prst="rect">
+            <a:avLst/>
+          </a:prstGeom>
+        </p:spPr>
+        <p:txBody>
+          <a:bodyPr vert="horz" lIns="91440" tIns="45720" rIns="91440" bIns="45720" rtlCol="0" anchor="b"/>
+          <a:lstStyle>
+            <a:lvl1pPr algn="r">
+              <a:defRPr sz="1200"/>
+            </a:lvl1pPr>
+          </a:lstStyle>
+          <a:p>
+            <a:fld id="{435BB54F-5E10-452D-8F68-EC1551066F33}" type="slidenum">
+              <a:rPr lang="de-DE" smtClean="0"/>
+              <a:t>‹Nr.›</a:t>
+            </a:fld>
+            <a:endParaRPr lang="de-DE"/>
+          </a:p>
+        </p:txBody>
+      </p:sp>
+    </p:spTree>
+    <p:extLst>
+      <p:ext uri="{BB962C8B-B14F-4D97-AF65-F5344CB8AC3E}">
+        <p14:creationId xmlns:p14="http://schemas.microsoft.com/office/powerpoint/2010/main" val="121594600"/>
+      </p:ext>
+    </p:extLst>
+  </p:cSld>
+  <p:clrMap bg1="lt1" tx1="dk1" bg2="lt2" tx2="dk2" accent1="accent1" accent2="accent2" accent3="accent3" accent4="accent4" accent5="accent5" accent6="accent6" hlink="hlink" folHlink="folHlink"/>
+</p:handoutMaster>
+</file>
+
+<file path=ppt/notesMasters/notesMaster1.xml><?xml version="1.0" encoding="utf-8"?>
+<p:notesMaster xmlns:a="http://schemas.openxmlformats.org/drawingml/2006/main" xmlns:r="http://schemas.openxmlformats.org/officeDocument/2006/relationships" xmlns:p="http://schemas.openxmlformats.org/presentationml/2006/main">
+  <p:cSld>
+    <p:bg>
+      <p:bgRef idx="1001">
+        <a:schemeClr val="bg1"/>
+      </p:bgRef>
+    </p:bg>
+    <p:spTree>
+      <p:nvGrpSpPr>
+        <p:cNvPr id="1" name=""/>
+        <p:cNvGrpSpPr/>
+        <p:nvPr/>
+      </p:nvGrpSpPr>
+      <p:grpSpPr>
+        <a:xfrm>
+          <a:off x="0" y="0"/>
+          <a:ext cx="0" cy="0"/>
+          <a:chOff x="0" y="0"/>
+          <a:chExt cx="0" cy="0"/>
+        </a:xfrm>
+      </p:grpSpPr>
+      <p:sp>
+        <p:nvSpPr>
+          <p:cNvPr id="2" name="Kopfzeilenplatzhalter 1"/>
+          <p:cNvSpPr>
+            <a:spLocks noGrp="1"/>
+          </p:cNvSpPr>
+          <p:nvPr>
+            <p:ph type="hdr" sz="quarter"/>
+          </p:nvPr>
+        </p:nvSpPr>
+        <p:spPr>
+          <a:xfrm>
+            <a:off x="0" y="0"/>
+            <a:ext cx="2971800" cy="457200"/>
+          </a:xfrm>
+          <a:prstGeom prst="rect">
+            <a:avLst/>
+          </a:prstGeom>
+        </p:spPr>
+        <p:txBody>
+          <a:bodyPr vert="horz" lIns="91440" tIns="45720" rIns="91440" bIns="45720" rtlCol="0"/>
+          <a:lstStyle>
+            <a:lvl1pPr algn="l">
+              <a:defRPr sz="1200"/>
+            </a:lvl1pPr>
+          </a:lstStyle>
+          <a:p>
+            <a:endParaRPr lang="de-DE"/>
+          </a:p>
+        </p:txBody>
+      </p:sp>
+      <p:sp>
+        <p:nvSpPr>
+          <p:cNvPr id="3" name="Datumsplatzhalter 2"/>
+          <p:cNvSpPr>
+            <a:spLocks noGrp="1"/>
+          </p:cNvSpPr>
+          <p:nvPr>
+            <p:ph type="dt" idx="1"/>
+          </p:nvPr>
+        </p:nvSpPr>
+        <p:spPr>
+          <a:xfrm>
+            <a:off x="3884613" y="0"/>
+            <a:ext cx="2971800" cy="457200"/>
+          </a:xfrm>
+          <a:prstGeom prst="rect">
+            <a:avLst/>
+          </a:prstGeom>
+        </p:spPr>
+        <p:txBody>
+          <a:bodyPr vert="horz" lIns="91440" tIns="45720" rIns="91440" bIns="45720" rtlCol="0"/>
+          <a:lstStyle>
+            <a:lvl1pPr algn="r">
+              <a:defRPr sz="1200"/>
+            </a:lvl1pPr>
+          </a:lstStyle>
+          <a:p>
+            <a:fld id="{58D7F3E4-10E4-45BE-B404-BBD4DC34AD07}" type="datetimeFigureOut">
+              <a:rPr lang="de-DE" smtClean="0"/>
+              <a:t>13.12.2016</a:t>
+            </a:fld>
+            <a:endParaRPr lang="de-DE"/>
+          </a:p>
+        </p:txBody>
+      </p:sp>
+      <p:sp>
+        <p:nvSpPr>
+          <p:cNvPr id="4" name="Folienbildplatzhalter 3"/>
+          <p:cNvSpPr>
+            <a:spLocks noGrp="1" noRot="1" noChangeAspect="1"/>
+          </p:cNvSpPr>
+          <p:nvPr>
+            <p:ph type="sldImg" idx="2"/>
+          </p:nvPr>
+        </p:nvSpPr>
+        <p:spPr>
+          <a:xfrm>
+            <a:off x="1143000" y="685800"/>
+            <a:ext cx="4572000" cy="3429000"/>
+          </a:xfrm>
+          <a:prstGeom prst="rect">
+            <a:avLst/>
+          </a:prstGeom>
+          <a:noFill/>
+          <a:ln w="12700">
+            <a:solidFill>
+              <a:prstClr val="black"/>
+            </a:solidFill>
+          </a:ln>
+        </p:spPr>
+        <p:txBody>
+          <a:bodyPr vert="horz" lIns="91440" tIns="45720" rIns="91440" bIns="45720" rtlCol="0" anchor="ctr"/>
+          <a:lstStyle/>
+          <a:p>
+            <a:endParaRPr lang="de-DE"/>
+          </a:p>
+        </p:txBody>
+      </p:sp>
+      <p:sp>
+        <p:nvSpPr>
+          <p:cNvPr id="5" name="Notizenplatzhalter 4"/>
+          <p:cNvSpPr>
+            <a:spLocks noGrp="1"/>
+          </p:cNvSpPr>
+          <p:nvPr>
+            <p:ph type="body" sz="quarter" idx="3"/>
+          </p:nvPr>
+        </p:nvSpPr>
+        <p:spPr>
+          <a:xfrm>
+            <a:off x="685800" y="4343400"/>
+            <a:ext cx="5486400" cy="4114800"/>
+          </a:xfrm>
+          <a:prstGeom prst="rect">
+            <a:avLst/>
+          </a:prstGeom>
+        </p:spPr>
+        <p:txBody>
+          <a:bodyPr vert="horz" lIns="91440" tIns="45720" rIns="91440" bIns="45720" rtlCol="0"/>
+          <a:lstStyle/>
+          <a:p>
+            <a:pPr lvl="0"/>
+            <a:r>
+              <a:rPr lang="de-DE" smtClean="0"/>
+              <a:t>Textmasterformat bearbeiten</a:t>
+            </a:r>
+          </a:p>
+          <a:p>
+            <a:pPr lvl="1"/>
+            <a:r>
+              <a:rPr lang="de-DE" smtClean="0"/>
+              <a:t>Zweite Ebene</a:t>
+            </a:r>
+          </a:p>
+          <a:p>
+            <a:pPr lvl="2"/>
+            <a:r>
+              <a:rPr lang="de-DE" smtClean="0"/>
+              <a:t>Dritte Ebene</a:t>
+            </a:r>
+          </a:p>
+          <a:p>
+            <a:pPr lvl="3"/>
+            <a:r>
+              <a:rPr lang="de-DE" smtClean="0"/>
+              <a:t>Vierte Ebene</a:t>
+            </a:r>
+          </a:p>
+          <a:p>
+            <a:pPr lvl="4"/>
+            <a:r>
+              <a:rPr lang="de-DE" smtClean="0"/>
+              <a:t>Fünfte Ebene</a:t>
+            </a:r>
+            <a:endParaRPr lang="de-DE"/>
+          </a:p>
+        </p:txBody>
+      </p:sp>
+      <p:sp>
+        <p:nvSpPr>
+          <p:cNvPr id="6" name="Fußzeilenplatzhalter 5"/>
+          <p:cNvSpPr>
+            <a:spLocks noGrp="1"/>
+          </p:cNvSpPr>
+          <p:nvPr>
+            <p:ph type="ftr" sz="quarter" idx="4"/>
+          </p:nvPr>
+        </p:nvSpPr>
+        <p:spPr>
+          <a:xfrm>
+            <a:off x="0" y="8685213"/>
+            <a:ext cx="2971800" cy="457200"/>
+          </a:xfrm>
+          <a:prstGeom prst="rect">
+            <a:avLst/>
+          </a:prstGeom>
+        </p:spPr>
+        <p:txBody>
+          <a:bodyPr vert="horz" lIns="91440" tIns="45720" rIns="91440" bIns="45720" rtlCol="0" anchor="b"/>
+          <a:lstStyle>
+            <a:lvl1pPr algn="l">
+              <a:defRPr sz="1200"/>
+            </a:lvl1pPr>
+          </a:lstStyle>
+          <a:p>
+            <a:endParaRPr lang="de-DE"/>
+          </a:p>
+        </p:txBody>
+      </p:sp>
+      <p:sp>
+        <p:nvSpPr>
+          <p:cNvPr id="7" name="Foliennummernplatzhalter 6"/>
+          <p:cNvSpPr>
+            <a:spLocks noGrp="1"/>
+          </p:cNvSpPr>
+          <p:nvPr>
+            <p:ph type="sldNum" sz="quarter" idx="5"/>
+          </p:nvPr>
+        </p:nvSpPr>
+        <p:spPr>
+          <a:xfrm>
+            <a:off x="3884613" y="8685213"/>
+            <a:ext cx="2971800" cy="457200"/>
+          </a:xfrm>
+          <a:prstGeom prst="rect">
+            <a:avLst/>
+          </a:prstGeom>
+        </p:spPr>
+        <p:txBody>
+          <a:bodyPr vert="horz" lIns="91440" tIns="45720" rIns="91440" bIns="45720" rtlCol="0" anchor="b"/>
+          <a:lstStyle>
+            <a:lvl1pPr algn="r">
+              <a:defRPr sz="1200"/>
+            </a:lvl1pPr>
+          </a:lstStyle>
+          <a:p>
+            <a:fld id="{44918122-B945-45EF-AF11-B027055AF6F9}" type="slidenum">
+              <a:rPr lang="de-DE" smtClean="0"/>
+              <a:t>‹Nr.›</a:t>
+            </a:fld>
+            <a:endParaRPr lang="de-DE"/>
+          </a:p>
+        </p:txBody>
+      </p:sp>
+    </p:spTree>
+    <p:extLst>
+      <p:ext uri="{BB962C8B-B14F-4D97-AF65-F5344CB8AC3E}">
+        <p14:creationId xmlns:p14="http://schemas.microsoft.com/office/powerpoint/2010/main" val="3390176790"/>
+      </p:ext>
+    </p:extLst>
+  </p:cSld>
+  <p:clrMap bg1="lt1" tx1="dk1" bg2="lt2" tx2="dk2" accent1="accent1" accent2="accent2" accent3="accent3" accent4="accent4" accent5="accent5" accent6="accent6" hlink="hlink" folHlink="folHlink"/>
+  <p:notesStyle>
+    <a:lvl1pPr marL="0" algn="l" defTabSz="914400" rtl="0" eaLnBrk="1" latinLnBrk="0" hangingPunct="1">
+      <a:defRPr sz="1200" kern="1200">
+        <a:solidFill>
+          <a:schemeClr val="tx1"/>
+        </a:solidFill>
+        <a:latin typeface="+mn-lt"/>
+        <a:ea typeface="+mn-ea"/>
+        <a:cs typeface="+mn-cs"/>
+      </a:defRPr>
+    </a:lvl1pPr>
+    <a:lvl2pPr marL="457200" algn="l" defTabSz="914400" rtl="0" eaLnBrk="1" latinLnBrk="0" hangingPunct="1">
+      <a:defRPr sz="1200" kern="1200">
+        <a:solidFill>
+          <a:schemeClr val="tx1"/>
+        </a:solidFill>
+        <a:latin typeface="+mn-lt"/>
+        <a:ea typeface="+mn-ea"/>
+        <a:cs typeface="+mn-cs"/>
+      </a:defRPr>
+    </a:lvl2pPr>
+    <a:lvl3pPr marL="914400" algn="l" defTabSz="914400" rtl="0" eaLnBrk="1" latinLnBrk="0" hangingPunct="1">
+      <a:defRPr sz="1200" kern="1200">
+        <a:solidFill>
+          <a:schemeClr val="tx1"/>
+        </a:solidFill>
+        <a:latin typeface="+mn-lt"/>
+        <a:ea typeface="+mn-ea"/>
+        <a:cs typeface="+mn-cs"/>
+      </a:defRPr>
+    </a:lvl3pPr>
+    <a:lvl4pPr marL="1371600" algn="l" defTabSz="914400" rtl="0" eaLnBrk="1" latinLnBrk="0" hangingPunct="1">
+      <a:defRPr sz="1200" kern="1200">
+        <a:solidFill>
+          <a:schemeClr val="tx1"/>
+        </a:solidFill>
+        <a:latin typeface="+mn-lt"/>
+        <a:ea typeface="+mn-ea"/>
+        <a:cs typeface="+mn-cs"/>
+      </a:defRPr>
+    </a:lvl4pPr>
+    <a:lvl5pPr marL="1828800" algn="l" defTabSz="914400" rtl="0" eaLnBrk="1" latinLnBrk="0" hangingPunct="1">
+      <a:defRPr sz="1200" kern="1200">
+        <a:solidFill>
+          <a:schemeClr val="tx1"/>
+        </a:solidFill>
+        <a:latin typeface="+mn-lt"/>
+        <a:ea typeface="+mn-ea"/>
+        <a:cs typeface="+mn-cs"/>
+      </a:defRPr>
+    </a:lvl5pPr>
+    <a:lvl6pPr marL="2286000" algn="l" defTabSz="914400" rtl="0" eaLnBrk="1" latinLnBrk="0" hangingPunct="1">
+      <a:defRPr sz="1200" kern="1200">
+        <a:solidFill>
+          <a:schemeClr val="tx1"/>
+        </a:solidFill>
+        <a:latin typeface="+mn-lt"/>
+        <a:ea typeface="+mn-ea"/>
+        <a:cs typeface="+mn-cs"/>
+      </a:defRPr>
+    </a:lvl6pPr>
+    <a:lvl7pPr marL="2743200" algn="l" defTabSz="914400" rtl="0" eaLnBrk="1" latinLnBrk="0" hangingPunct="1">
+      <a:defRPr sz="1200" kern="1200">
+        <a:solidFill>
+          <a:schemeClr val="tx1"/>
+        </a:solidFill>
+        <a:latin typeface="+mn-lt"/>
+        <a:ea typeface="+mn-ea"/>
+        <a:cs typeface="+mn-cs"/>
+      </a:defRPr>
+    </a:lvl7pPr>
+    <a:lvl8pPr marL="3200400" algn="l" defTabSz="914400" rtl="0" eaLnBrk="1" latinLnBrk="0" hangingPunct="1">
+      <a:defRPr sz="1200" kern="1200">
+        <a:solidFill>
+          <a:schemeClr val="tx1"/>
+        </a:solidFill>
+        <a:latin typeface="+mn-lt"/>
+        <a:ea typeface="+mn-ea"/>
+        <a:cs typeface="+mn-cs"/>
+      </a:defRPr>
+    </a:lvl8pPr>
+    <a:lvl9pPr marL="3657600" algn="l" defTabSz="914400" rtl="0" eaLnBrk="1" latinLnBrk="0" hangingPunct="1">
+      <a:defRPr sz="1200" kern="1200">
+        <a:solidFill>
+          <a:schemeClr val="tx1"/>
+        </a:solidFill>
+        <a:latin typeface="+mn-lt"/>
+        <a:ea typeface="+mn-ea"/>
+        <a:cs typeface="+mn-cs"/>
+      </a:defRPr>
+    </a:lvl9pPr>
+  </p:notesStyle>
+</p:notesMaster>
 </file>
 
 <file path=ppt/slideLayouts/slideLayout1.xml><?xml version="1.0" encoding="utf-8"?>
@@ -301,7 +806,7 @@
           <a:p>
             <a:fld id="{5BCAD085-E8A6-8845-BD4E-CB4CCA059FC4}" type="datetimeFigureOut">
               <a:rPr lang="en-US" smtClean="0"/>
-              <a:t>7/19/2016</a:t>
+              <a:t>12/13/2016</a:t>
             </a:fld>
             <a:endParaRPr lang="en-US"/>
           </a:p>
@@ -403,7 +908,7 @@
           <a:p>
             <a:fld id="{5BCAD085-E8A6-8845-BD4E-CB4CCA059FC4}" type="datetimeFigureOut">
               <a:rPr lang="en-US" smtClean="0"/>
-              <a:t>7/19/2016</a:t>
+              <a:t>12/13/2016</a:t>
             </a:fld>
             <a:endParaRPr lang="en-US"/>
           </a:p>
@@ -455,7 +960,7 @@
         <p:nvSpPr>
           <p:cNvPr id="9" name="Bildplatzhalter 8" title="Pic1"/>
           <p:cNvSpPr>
-            <a:spLocks noGrp="1" noChangeAspect="1"/>
+            <a:spLocks noGrp="1"/>
           </p:cNvSpPr>
           <p:nvPr>
             <p:ph type="pic" sz="quarter" idx="13"/>
@@ -463,15 +968,15 @@
         </p:nvSpPr>
         <p:spPr>
           <a:xfrm>
-            <a:off x="457200" y="349200"/>
-            <a:ext cx="8229600" cy="5818175"/>
+            <a:off x="457200" y="347956"/>
+            <a:ext cx="8229600" cy="5818173"/>
           </a:xfrm>
         </p:spPr>
         <p:txBody>
           <a:bodyPr/>
           <a:lstStyle/>
           <a:p>
-            <a:endParaRPr lang="de-DE" dirty="0"/>
+            <a:endParaRPr lang="de-DE"/>
           </a:p>
         </p:txBody>
       </p:sp>
@@ -529,7 +1034,7 @@
           <a:p>
             <a:fld id="{5BCAD085-E8A6-8845-BD4E-CB4CCA059FC4}" type="datetimeFigureOut">
               <a:rPr lang="en-US" smtClean="0"/>
-              <a:t>7/19/2016</a:t>
+              <a:t>12/13/2016</a:t>
             </a:fld>
             <a:endParaRPr lang="en-US"/>
           </a:p>
@@ -581,7 +1086,7 @@
         <p:nvSpPr>
           <p:cNvPr id="9" name="Bildplatzhalter 8" title="Pic1"/>
           <p:cNvSpPr>
-            <a:spLocks noGrp="1" noChangeAspect="1"/>
+            <a:spLocks noGrp="1"/>
           </p:cNvSpPr>
           <p:nvPr>
             <p:ph type="pic" sz="quarter" idx="13"/>
@@ -589,8 +1094,8 @@
         </p:nvSpPr>
         <p:spPr>
           <a:xfrm>
-            <a:off x="457200" y="316800"/>
-            <a:ext cx="8229600" cy="5008971"/>
+            <a:off x="457200" y="315589"/>
+            <a:ext cx="8229600" cy="5008969"/>
           </a:xfrm>
         </p:spPr>
         <p:txBody>
@@ -667,7 +1172,7 @@
         <p:nvSpPr>
           <p:cNvPr id="16" name="Bildplatzhalter 14"/>
           <p:cNvSpPr>
-            <a:spLocks noGrp="1" noChangeAspect="1"/>
+            <a:spLocks noGrp="1"/>
           </p:cNvSpPr>
           <p:nvPr>
             <p:ph type="pic" sz="quarter" idx="13"/>
@@ -691,7 +1196,7 @@
         <p:nvSpPr>
           <p:cNvPr id="17" name="Bildplatzhalter 14"/>
           <p:cNvSpPr>
-            <a:spLocks noGrp="1" noChangeAspect="1"/>
+            <a:spLocks noGrp="1"/>
           </p:cNvSpPr>
           <p:nvPr>
             <p:ph type="pic" sz="quarter" idx="14"/>
@@ -699,8 +1204,8 @@
         </p:nvSpPr>
         <p:spPr>
           <a:xfrm>
-            <a:off x="4702629" y="453600"/>
-            <a:ext cx="3987347" cy="5687247"/>
+            <a:off x="4649788" y="452438"/>
+            <a:ext cx="4040188" cy="5673725"/>
           </a:xfrm>
         </p:spPr>
         <p:txBody>
@@ -728,7 +1233,7 @@
           <a:p>
             <a:fld id="{5BCAD085-E8A6-8845-BD4E-CB4CCA059FC4}" type="datetimeFigureOut">
               <a:rPr lang="en-US" smtClean="0"/>
-              <a:t>7/19/2016</a:t>
+              <a:t>12/13/2016</a:t>
             </a:fld>
             <a:endParaRPr lang="en-US"/>
           </a:p>
@@ -817,7 +1322,7 @@
         <p:nvSpPr>
           <p:cNvPr id="16" name="Bildplatzhalter 14"/>
           <p:cNvSpPr>
-            <a:spLocks noGrp="1" noChangeAspect="1"/>
+            <a:spLocks noGrp="1"/>
           </p:cNvSpPr>
           <p:nvPr>
             <p:ph type="pic" sz="quarter" idx="13"/>
@@ -825,7 +1330,7 @@
         </p:nvSpPr>
         <p:spPr>
           <a:xfrm>
-            <a:off x="457200" y="1189529"/>
+            <a:off x="457200" y="323850"/>
             <a:ext cx="4040188" cy="4936634"/>
           </a:xfrm>
         </p:spPr>
@@ -841,7 +1346,7 @@
         <p:nvSpPr>
           <p:cNvPr id="17" name="Bildplatzhalter 14"/>
           <p:cNvSpPr>
-            <a:spLocks noGrp="1" noChangeAspect="1"/>
+            <a:spLocks noGrp="1"/>
           </p:cNvSpPr>
           <p:nvPr>
             <p:ph type="pic" sz="quarter" idx="14"/>
@@ -849,7 +1354,7 @@
         </p:nvSpPr>
         <p:spPr>
           <a:xfrm>
-            <a:off x="4649788" y="1189529"/>
+            <a:off x="4646612" y="323850"/>
             <a:ext cx="4040188" cy="4936634"/>
           </a:xfrm>
         </p:spPr>
@@ -878,7 +1383,7 @@
           <a:p>
             <a:fld id="{5BCAD085-E8A6-8845-BD4E-CB4CCA059FC4}" type="datetimeFigureOut">
               <a:rPr lang="en-US" smtClean="0"/>
-              <a:t>7/19/2016</a:t>
+              <a:t>12/13/2016</a:t>
             </a:fld>
             <a:endParaRPr lang="en-US"/>
           </a:p>
@@ -938,7 +1443,7 @@
         </p:nvSpPr>
         <p:spPr>
           <a:xfrm>
-            <a:off x="457200" y="323850"/>
+            <a:off x="457200" y="5421791"/>
             <a:ext cx="4040188" cy="720725"/>
           </a:xfrm>
         </p:spPr>
@@ -963,7 +1468,7 @@
         </p:nvSpPr>
         <p:spPr>
           <a:xfrm>
-            <a:off x="4646612" y="323850"/>
+            <a:off x="4649788" y="5421791"/>
             <a:ext cx="4040188" cy="720725"/>
           </a:xfrm>
         </p:spPr>
@@ -980,6 +1485,96 @@
     <p:extLst>
       <p:ext uri="{BB962C8B-B14F-4D97-AF65-F5344CB8AC3E}">
         <p14:creationId xmlns:p14="http://schemas.microsoft.com/office/powerpoint/2010/main" val="1626125426"/>
+      </p:ext>
+    </p:extLst>
+  </p:cSld>
+  <p:clrMapOvr>
+    <a:masterClrMapping/>
+  </p:clrMapOvr>
+  <p:timing>
+    <p:tnLst>
+      <p:par>
+        <p:cTn id="1" dur="indefinite" restart="never" nodeType="tmRoot"/>
+      </p:par>
+    </p:tnLst>
+  </p:timing>
+</p:sldLayout>
+</file>
+
+<file path=ppt/slideLayouts/slideLayout6.xml><?xml version="1.0" encoding="utf-8"?>
+<p:sldLayout xmlns:a="http://schemas.openxmlformats.org/drawingml/2006/main" xmlns:r="http://schemas.openxmlformats.org/officeDocument/2006/relationships" xmlns:p="http://schemas.openxmlformats.org/presentationml/2006/main" preserve="1" userDrawn="1">
+  <p:cSld name="1_Title Slide">
+    <p:spTree>
+      <p:nvGrpSpPr>
+        <p:cNvPr id="1" name=""/>
+        <p:cNvGrpSpPr/>
+        <p:nvPr/>
+      </p:nvGrpSpPr>
+      <p:grpSpPr>
+        <a:xfrm>
+          <a:off x="0" y="0"/>
+          <a:ext cx="0" cy="0"/>
+          <a:chOff x="0" y="0"/>
+          <a:chExt cx="0" cy="0"/>
+        </a:xfrm>
+      </p:grpSpPr>
+      <p:sp>
+        <p:nvSpPr>
+          <p:cNvPr id="2" name="Title 1"/>
+          <p:cNvSpPr>
+            <a:spLocks noGrp="1"/>
+          </p:cNvSpPr>
+          <p:nvPr>
+            <p:ph type="ctrTitle"/>
+          </p:nvPr>
+        </p:nvSpPr>
+        <p:spPr>
+          <a:xfrm>
+            <a:off x="685800" y="197792"/>
+            <a:ext cx="7772400" cy="668056"/>
+          </a:xfrm>
+        </p:spPr>
+        <p:txBody>
+          <a:bodyPr/>
+          <a:lstStyle/>
+          <a:p>
+            <a:r>
+              <a:rPr lang="en-US" dirty="0" smtClean="0"/>
+              <a:t>Click to edit Master title style</a:t>
+            </a:r>
+            <a:endParaRPr lang="en-US" dirty="0"/>
+          </a:p>
+        </p:txBody>
+      </p:sp>
+      <p:sp>
+        <p:nvSpPr>
+          <p:cNvPr id="7" name="Textplatzhalter 2"/>
+          <p:cNvSpPr>
+            <a:spLocks noGrp="1"/>
+          </p:cNvSpPr>
+          <p:nvPr>
+            <p:ph type="body" sz="quarter" idx="18"/>
+          </p:nvPr>
+        </p:nvSpPr>
+        <p:spPr>
+          <a:xfrm>
+            <a:off x="685800" y="979137"/>
+            <a:ext cx="7772400" cy="4928050"/>
+          </a:xfrm>
+        </p:spPr>
+        <p:txBody>
+          <a:bodyPr/>
+          <a:lstStyle/>
+          <a:p>
+            <a:pPr lvl="0"/>
+            <a:endParaRPr lang="de-DE" dirty="0"/>
+          </a:p>
+        </p:txBody>
+      </p:sp>
+    </p:spTree>
+    <p:extLst>
+      <p:ext uri="{BB962C8B-B14F-4D97-AF65-F5344CB8AC3E}">
+        <p14:creationId xmlns:p14="http://schemas.microsoft.com/office/powerpoint/2010/main" val="3898784460"/>
       </p:ext>
     </p:extLst>
   </p:cSld>
@@ -1148,7 +1743,7 @@
           <a:p>
             <a:fld id="{5BCAD085-E8A6-8845-BD4E-CB4CCA059FC4}" type="datetimeFigureOut">
               <a:rPr lang="en-US" smtClean="0"/>
-              <a:t>7/19/2016</a:t>
+              <a:t>12/13/2016</a:t>
             </a:fld>
             <a:endParaRPr lang="en-US"/>
           </a:p>
@@ -1246,6 +1841,7 @@
     <p:sldLayoutId id="2147483654" r:id="rId3"/>
     <p:sldLayoutId id="2147483653" r:id="rId4"/>
     <p:sldLayoutId id="2147483655" r:id="rId5"/>
+    <p:sldLayoutId id="2147483656" r:id="rId6"/>
   </p:sldLayoutIdLst>
   <p:timing>
     <p:tnLst>
@@ -1825,4 +2421,574 @@
   </a:objectDefaults>
   <a:extraClrSchemeLst/>
 </a:theme>
+</file>
+
+<file path=ppt/theme/theme2.xml><?xml version="1.0" encoding="utf-8"?>
+<a:theme xmlns:a="http://schemas.openxmlformats.org/drawingml/2006/main" name="Larissa">
+  <a:themeElements>
+    <a:clrScheme name="Larissa">
+      <a:dk1>
+        <a:sysClr val="windowText" lastClr="000000"/>
+      </a:dk1>
+      <a:lt1>
+        <a:sysClr val="window" lastClr="FFFFFF"/>
+      </a:lt1>
+      <a:dk2>
+        <a:srgbClr val="1F497D"/>
+      </a:dk2>
+      <a:lt2>
+        <a:srgbClr val="EEECE1"/>
+      </a:lt2>
+      <a:accent1>
+        <a:srgbClr val="4F81BD"/>
+      </a:accent1>
+      <a:accent2>
+        <a:srgbClr val="C0504D"/>
+      </a:accent2>
+      <a:accent3>
+        <a:srgbClr val="9BBB59"/>
+      </a:accent3>
+      <a:accent4>
+        <a:srgbClr val="8064A2"/>
+      </a:accent4>
+      <a:accent5>
+        <a:srgbClr val="4BACC6"/>
+      </a:accent5>
+      <a:accent6>
+        <a:srgbClr val="F79646"/>
+      </a:accent6>
+      <a:hlink>
+        <a:srgbClr val="0000FF"/>
+      </a:hlink>
+      <a:folHlink>
+        <a:srgbClr val="800080"/>
+      </a:folHlink>
+    </a:clrScheme>
+    <a:fontScheme name="Larissa">
+      <a:majorFont>
+        <a:latin typeface="Calibri"/>
+        <a:ea typeface=""/>
+        <a:cs typeface=""/>
+        <a:font script="Jpan" typeface="ＭＳ Ｐゴシック"/>
+        <a:font script="Hang" typeface="맑은 고딕"/>
+        <a:font script="Hans" typeface="宋体"/>
+        <a:font script="Hant" typeface="新細明體"/>
+        <a:font script="Arab" typeface="Times New Roman"/>
+        <a:font script="Hebr" typeface="Times New Roman"/>
+        <a:font script="Thai" typeface="Angsana New"/>
+        <a:font script="Ethi" typeface="Nyala"/>
+        <a:font script="Beng" typeface="Vrinda"/>
+        <a:font script="Gujr" typeface="Shruti"/>
+        <a:font script="Khmr" typeface="MoolBoran"/>
+        <a:font script="Knda" typeface="Tunga"/>
+        <a:font script="Guru" typeface="Raavi"/>
+        <a:font script="Cans" typeface="Euphemia"/>
+        <a:font script="Cher" typeface="Plantagenet Cherokee"/>
+        <a:font script="Yiii" typeface="Microsoft Yi Baiti"/>
+        <a:font script="Tibt" typeface="Microsoft Himalaya"/>
+        <a:font script="Thaa" typeface="MV Boli"/>
+        <a:font script="Deva" typeface="Mangal"/>
+        <a:font script="Telu" typeface="Gautami"/>
+        <a:font script="Taml" typeface="Latha"/>
+        <a:font script="Syrc" typeface="Estrangelo Edessa"/>
+        <a:font script="Orya" typeface="Kalinga"/>
+        <a:font script="Mlym" typeface="Kartika"/>
+        <a:font script="Laoo" typeface="DokChampa"/>
+        <a:font script="Sinh" typeface="Iskoola Pota"/>
+        <a:font script="Mong" typeface="Mongolian Baiti"/>
+        <a:font script="Viet" typeface="Times New Roman"/>
+        <a:font script="Uigh" typeface="Microsoft Uighur"/>
+        <a:font script="Geor" typeface="Sylfaen"/>
+      </a:majorFont>
+      <a:minorFont>
+        <a:latin typeface="Calibri"/>
+        <a:ea typeface=""/>
+        <a:cs typeface=""/>
+        <a:font script="Jpan" typeface="ＭＳ Ｐゴシック"/>
+        <a:font script="Hang" typeface="맑은 고딕"/>
+        <a:font script="Hans" typeface="宋体"/>
+        <a:font script="Hant" typeface="新細明體"/>
+        <a:font script="Arab" typeface="Arial"/>
+        <a:font script="Hebr" typeface="Arial"/>
+        <a:font script="Thai" typeface="Cordia New"/>
+        <a:font script="Ethi" typeface="Nyala"/>
+        <a:font script="Beng" typeface="Vrinda"/>
+        <a:font script="Gujr" typeface="Shruti"/>
+        <a:font script="Khmr" typeface="DaunPenh"/>
+        <a:font script="Knda" typeface="Tunga"/>
+        <a:font script="Guru" typeface="Raavi"/>
+        <a:font script="Cans" typeface="Euphemia"/>
+        <a:font script="Cher" typeface="Plantagenet Cherokee"/>
+        <a:font script="Yiii" typeface="Microsoft Yi Baiti"/>
+        <a:font script="Tibt" typeface="Microsoft Himalaya"/>
+        <a:font script="Thaa" typeface="MV Boli"/>
+        <a:font script="Deva" typeface="Mangal"/>
+        <a:font script="Telu" typeface="Gautami"/>
+        <a:font script="Taml" typeface="Latha"/>
+        <a:font script="Syrc" typeface="Estrangelo Edessa"/>
+        <a:font script="Orya" typeface="Kalinga"/>
+        <a:font script="Mlym" typeface="Kartika"/>
+        <a:font script="Laoo" typeface="DokChampa"/>
+        <a:font script="Sinh" typeface="Iskoola Pota"/>
+        <a:font script="Mong" typeface="Mongolian Baiti"/>
+        <a:font script="Viet" typeface="Arial"/>
+        <a:font script="Uigh" typeface="Microsoft Uighur"/>
+        <a:font script="Geor" typeface="Sylfaen"/>
+      </a:minorFont>
+    </a:fontScheme>
+    <a:fmtScheme name="Larissa">
+      <a:fillStyleLst>
+        <a:solidFill>
+          <a:schemeClr val="phClr"/>
+        </a:solidFill>
+        <a:gradFill rotWithShape="1">
+          <a:gsLst>
+            <a:gs pos="0">
+              <a:schemeClr val="phClr">
+                <a:tint val="50000"/>
+                <a:satMod val="300000"/>
+              </a:schemeClr>
+            </a:gs>
+            <a:gs pos="35000">
+              <a:schemeClr val="phClr">
+                <a:tint val="37000"/>
+                <a:satMod val="300000"/>
+              </a:schemeClr>
+            </a:gs>
+            <a:gs pos="100000">
+              <a:schemeClr val="phClr">
+                <a:tint val="15000"/>
+                <a:satMod val="350000"/>
+              </a:schemeClr>
+            </a:gs>
+          </a:gsLst>
+          <a:lin ang="16200000" scaled="1"/>
+        </a:gradFill>
+        <a:gradFill rotWithShape="1">
+          <a:gsLst>
+            <a:gs pos="0">
+              <a:schemeClr val="phClr">
+                <a:shade val="51000"/>
+                <a:satMod val="130000"/>
+              </a:schemeClr>
+            </a:gs>
+            <a:gs pos="80000">
+              <a:schemeClr val="phClr">
+                <a:shade val="93000"/>
+                <a:satMod val="130000"/>
+              </a:schemeClr>
+            </a:gs>
+            <a:gs pos="100000">
+              <a:schemeClr val="phClr">
+                <a:shade val="94000"/>
+                <a:satMod val="135000"/>
+              </a:schemeClr>
+            </a:gs>
+          </a:gsLst>
+          <a:lin ang="16200000" scaled="0"/>
+        </a:gradFill>
+      </a:fillStyleLst>
+      <a:lnStyleLst>
+        <a:ln w="9525" cap="flat" cmpd="sng" algn="ctr">
+          <a:solidFill>
+            <a:schemeClr val="phClr">
+              <a:shade val="95000"/>
+              <a:satMod val="105000"/>
+            </a:schemeClr>
+          </a:solidFill>
+          <a:prstDash val="solid"/>
+        </a:ln>
+        <a:ln w="25400" cap="flat" cmpd="sng" algn="ctr">
+          <a:solidFill>
+            <a:schemeClr val="phClr"/>
+          </a:solidFill>
+          <a:prstDash val="solid"/>
+        </a:ln>
+        <a:ln w="38100" cap="flat" cmpd="sng" algn="ctr">
+          <a:solidFill>
+            <a:schemeClr val="phClr"/>
+          </a:solidFill>
+          <a:prstDash val="solid"/>
+        </a:ln>
+      </a:lnStyleLst>
+      <a:effectStyleLst>
+        <a:effectStyle>
+          <a:effectLst>
+            <a:outerShdw blurRad="40000" dist="20000" dir="5400000" rotWithShape="0">
+              <a:srgbClr val="000000">
+                <a:alpha val="38000"/>
+              </a:srgbClr>
+            </a:outerShdw>
+          </a:effectLst>
+        </a:effectStyle>
+        <a:effectStyle>
+          <a:effectLst>
+            <a:outerShdw blurRad="40000" dist="23000" dir="5400000" rotWithShape="0">
+              <a:srgbClr val="000000">
+                <a:alpha val="35000"/>
+              </a:srgbClr>
+            </a:outerShdw>
+          </a:effectLst>
+        </a:effectStyle>
+        <a:effectStyle>
+          <a:effectLst>
+            <a:outerShdw blurRad="40000" dist="23000" dir="5400000" rotWithShape="0">
+              <a:srgbClr val="000000">
+                <a:alpha val="35000"/>
+              </a:srgbClr>
+            </a:outerShdw>
+          </a:effectLst>
+          <a:scene3d>
+            <a:camera prst="orthographicFront">
+              <a:rot lat="0" lon="0" rev="0"/>
+            </a:camera>
+            <a:lightRig rig="threePt" dir="t">
+              <a:rot lat="0" lon="0" rev="1200000"/>
+            </a:lightRig>
+          </a:scene3d>
+          <a:sp3d>
+            <a:bevelT w="63500" h="25400"/>
+          </a:sp3d>
+        </a:effectStyle>
+      </a:effectStyleLst>
+      <a:bgFillStyleLst>
+        <a:solidFill>
+          <a:schemeClr val="phClr"/>
+        </a:solidFill>
+        <a:gradFill rotWithShape="1">
+          <a:gsLst>
+            <a:gs pos="0">
+              <a:schemeClr val="phClr">
+                <a:tint val="40000"/>
+                <a:satMod val="350000"/>
+              </a:schemeClr>
+            </a:gs>
+            <a:gs pos="40000">
+              <a:schemeClr val="phClr">
+                <a:tint val="45000"/>
+                <a:shade val="99000"/>
+                <a:satMod val="350000"/>
+              </a:schemeClr>
+            </a:gs>
+            <a:gs pos="100000">
+              <a:schemeClr val="phClr">
+                <a:shade val="20000"/>
+                <a:satMod val="255000"/>
+              </a:schemeClr>
+            </a:gs>
+          </a:gsLst>
+          <a:path path="circle">
+            <a:fillToRect l="50000" t="-80000" r="50000" b="180000"/>
+          </a:path>
+        </a:gradFill>
+        <a:gradFill rotWithShape="1">
+          <a:gsLst>
+            <a:gs pos="0">
+              <a:schemeClr val="phClr">
+                <a:tint val="80000"/>
+                <a:satMod val="300000"/>
+              </a:schemeClr>
+            </a:gs>
+            <a:gs pos="100000">
+              <a:schemeClr val="phClr">
+                <a:shade val="30000"/>
+                <a:satMod val="200000"/>
+              </a:schemeClr>
+            </a:gs>
+          </a:gsLst>
+          <a:path path="circle">
+            <a:fillToRect l="50000" t="50000" r="50000" b="50000"/>
+          </a:path>
+        </a:gradFill>
+      </a:bgFillStyleLst>
+    </a:fmtScheme>
+  </a:themeElements>
+  <a:objectDefaults/>
+  <a:extraClrSchemeLst/>
+</a:theme>
+</file>
+
+<file path=ppt/theme/theme3.xml><?xml version="1.0" encoding="utf-8"?>
+<a:theme xmlns:a="http://schemas.openxmlformats.org/drawingml/2006/main" name="Larissa">
+  <a:themeElements>
+    <a:clrScheme name="Larissa">
+      <a:dk1>
+        <a:sysClr val="windowText" lastClr="000000"/>
+      </a:dk1>
+      <a:lt1>
+        <a:sysClr val="window" lastClr="FFFFFF"/>
+      </a:lt1>
+      <a:dk2>
+        <a:srgbClr val="1F497D"/>
+      </a:dk2>
+      <a:lt2>
+        <a:srgbClr val="EEECE1"/>
+      </a:lt2>
+      <a:accent1>
+        <a:srgbClr val="4F81BD"/>
+      </a:accent1>
+      <a:accent2>
+        <a:srgbClr val="C0504D"/>
+      </a:accent2>
+      <a:accent3>
+        <a:srgbClr val="9BBB59"/>
+      </a:accent3>
+      <a:accent4>
+        <a:srgbClr val="8064A2"/>
+      </a:accent4>
+      <a:accent5>
+        <a:srgbClr val="4BACC6"/>
+      </a:accent5>
+      <a:accent6>
+        <a:srgbClr val="F79646"/>
+      </a:accent6>
+      <a:hlink>
+        <a:srgbClr val="0000FF"/>
+      </a:hlink>
+      <a:folHlink>
+        <a:srgbClr val="800080"/>
+      </a:folHlink>
+    </a:clrScheme>
+    <a:fontScheme name="Larissa">
+      <a:majorFont>
+        <a:latin typeface="Calibri"/>
+        <a:ea typeface=""/>
+        <a:cs typeface=""/>
+        <a:font script="Jpan" typeface="ＭＳ Ｐゴシック"/>
+        <a:font script="Hang" typeface="맑은 고딕"/>
+        <a:font script="Hans" typeface="宋体"/>
+        <a:font script="Hant" typeface="新細明體"/>
+        <a:font script="Arab" typeface="Times New Roman"/>
+        <a:font script="Hebr" typeface="Times New Roman"/>
+        <a:font script="Thai" typeface="Angsana New"/>
+        <a:font script="Ethi" typeface="Nyala"/>
+        <a:font script="Beng" typeface="Vrinda"/>
+        <a:font script="Gujr" typeface="Shruti"/>
+        <a:font script="Khmr" typeface="MoolBoran"/>
+        <a:font script="Knda" typeface="Tunga"/>
+        <a:font script="Guru" typeface="Raavi"/>
+        <a:font script="Cans" typeface="Euphemia"/>
+        <a:font script="Cher" typeface="Plantagenet Cherokee"/>
+        <a:font script="Yiii" typeface="Microsoft Yi Baiti"/>
+        <a:font script="Tibt" typeface="Microsoft Himalaya"/>
+        <a:font script="Thaa" typeface="MV Boli"/>
+        <a:font script="Deva" typeface="Mangal"/>
+        <a:font script="Telu" typeface="Gautami"/>
+        <a:font script="Taml" typeface="Latha"/>
+        <a:font script="Syrc" typeface="Estrangelo Edessa"/>
+        <a:font script="Orya" typeface="Kalinga"/>
+        <a:font script="Mlym" typeface="Kartika"/>
+        <a:font script="Laoo" typeface="DokChampa"/>
+        <a:font script="Sinh" typeface="Iskoola Pota"/>
+        <a:font script="Mong" typeface="Mongolian Baiti"/>
+        <a:font script="Viet" typeface="Times New Roman"/>
+        <a:font script="Uigh" typeface="Microsoft Uighur"/>
+        <a:font script="Geor" typeface="Sylfaen"/>
+      </a:majorFont>
+      <a:minorFont>
+        <a:latin typeface="Calibri"/>
+        <a:ea typeface=""/>
+        <a:cs typeface=""/>
+        <a:font script="Jpan" typeface="ＭＳ Ｐゴシック"/>
+        <a:font script="Hang" typeface="맑은 고딕"/>
+        <a:font script="Hans" typeface="宋体"/>
+        <a:font script="Hant" typeface="新細明體"/>
+        <a:font script="Arab" typeface="Arial"/>
+        <a:font script="Hebr" typeface="Arial"/>
+        <a:font script="Thai" typeface="Cordia New"/>
+        <a:font script="Ethi" typeface="Nyala"/>
+        <a:font script="Beng" typeface="Vrinda"/>
+        <a:font script="Gujr" typeface="Shruti"/>
+        <a:font script="Khmr" typeface="DaunPenh"/>
+        <a:font script="Knda" typeface="Tunga"/>
+        <a:font script="Guru" typeface="Raavi"/>
+        <a:font script="Cans" typeface="Euphemia"/>
+        <a:font script="Cher" typeface="Plantagenet Cherokee"/>
+        <a:font script="Yiii" typeface="Microsoft Yi Baiti"/>
+        <a:font script="Tibt" typeface="Microsoft Himalaya"/>
+        <a:font script="Thaa" typeface="MV Boli"/>
+        <a:font script="Deva" typeface="Mangal"/>
+        <a:font script="Telu" typeface="Gautami"/>
+        <a:font script="Taml" typeface="Latha"/>
+        <a:font script="Syrc" typeface="Estrangelo Edessa"/>
+        <a:font script="Orya" typeface="Kalinga"/>
+        <a:font script="Mlym" typeface="Kartika"/>
+        <a:font script="Laoo" typeface="DokChampa"/>
+        <a:font script="Sinh" typeface="Iskoola Pota"/>
+        <a:font script="Mong" typeface="Mongolian Baiti"/>
+        <a:font script="Viet" typeface="Arial"/>
+        <a:font script="Uigh" typeface="Microsoft Uighur"/>
+        <a:font script="Geor" typeface="Sylfaen"/>
+      </a:minorFont>
+    </a:fontScheme>
+    <a:fmtScheme name="Larissa">
+      <a:fillStyleLst>
+        <a:solidFill>
+          <a:schemeClr val="phClr"/>
+        </a:solidFill>
+        <a:gradFill rotWithShape="1">
+          <a:gsLst>
+            <a:gs pos="0">
+              <a:schemeClr val="phClr">
+                <a:tint val="50000"/>
+                <a:satMod val="300000"/>
+              </a:schemeClr>
+            </a:gs>
+            <a:gs pos="35000">
+              <a:schemeClr val="phClr">
+                <a:tint val="37000"/>
+                <a:satMod val="300000"/>
+              </a:schemeClr>
+            </a:gs>
+            <a:gs pos="100000">
+              <a:schemeClr val="phClr">
+                <a:tint val="15000"/>
+                <a:satMod val="350000"/>
+              </a:schemeClr>
+            </a:gs>
+          </a:gsLst>
+          <a:lin ang="16200000" scaled="1"/>
+        </a:gradFill>
+        <a:gradFill rotWithShape="1">
+          <a:gsLst>
+            <a:gs pos="0">
+              <a:schemeClr val="phClr">
+                <a:shade val="51000"/>
+                <a:satMod val="130000"/>
+              </a:schemeClr>
+            </a:gs>
+            <a:gs pos="80000">
+              <a:schemeClr val="phClr">
+                <a:shade val="93000"/>
+                <a:satMod val="130000"/>
+              </a:schemeClr>
+            </a:gs>
+            <a:gs pos="100000">
+              <a:schemeClr val="phClr">
+                <a:shade val="94000"/>
+                <a:satMod val="135000"/>
+              </a:schemeClr>
+            </a:gs>
+          </a:gsLst>
+          <a:lin ang="16200000" scaled="0"/>
+        </a:gradFill>
+      </a:fillStyleLst>
+      <a:lnStyleLst>
+        <a:ln w="9525" cap="flat" cmpd="sng" algn="ctr">
+          <a:solidFill>
+            <a:schemeClr val="phClr">
+              <a:shade val="95000"/>
+              <a:satMod val="105000"/>
+            </a:schemeClr>
+          </a:solidFill>
+          <a:prstDash val="solid"/>
+        </a:ln>
+        <a:ln w="25400" cap="flat" cmpd="sng" algn="ctr">
+          <a:solidFill>
+            <a:schemeClr val="phClr"/>
+          </a:solidFill>
+          <a:prstDash val="solid"/>
+        </a:ln>
+        <a:ln w="38100" cap="flat" cmpd="sng" algn="ctr">
+          <a:solidFill>
+            <a:schemeClr val="phClr"/>
+          </a:solidFill>
+          <a:prstDash val="solid"/>
+        </a:ln>
+      </a:lnStyleLst>
+      <a:effectStyleLst>
+        <a:effectStyle>
+          <a:effectLst>
+            <a:outerShdw blurRad="40000" dist="20000" dir="5400000" rotWithShape="0">
+              <a:srgbClr val="000000">
+                <a:alpha val="38000"/>
+              </a:srgbClr>
+            </a:outerShdw>
+          </a:effectLst>
+        </a:effectStyle>
+        <a:effectStyle>
+          <a:effectLst>
+            <a:outerShdw blurRad="40000" dist="23000" dir="5400000" rotWithShape="0">
+              <a:srgbClr val="000000">
+                <a:alpha val="35000"/>
+              </a:srgbClr>
+            </a:outerShdw>
+          </a:effectLst>
+        </a:effectStyle>
+        <a:effectStyle>
+          <a:effectLst>
+            <a:outerShdw blurRad="40000" dist="23000" dir="5400000" rotWithShape="0">
+              <a:srgbClr val="000000">
+                <a:alpha val="35000"/>
+              </a:srgbClr>
+            </a:outerShdw>
+          </a:effectLst>
+          <a:scene3d>
+            <a:camera prst="orthographicFront">
+              <a:rot lat="0" lon="0" rev="0"/>
+            </a:camera>
+            <a:lightRig rig="threePt" dir="t">
+              <a:rot lat="0" lon="0" rev="1200000"/>
+            </a:lightRig>
+          </a:scene3d>
+          <a:sp3d>
+            <a:bevelT w="63500" h="25400"/>
+          </a:sp3d>
+        </a:effectStyle>
+      </a:effectStyleLst>
+      <a:bgFillStyleLst>
+        <a:solidFill>
+          <a:schemeClr val="phClr"/>
+        </a:solidFill>
+        <a:gradFill rotWithShape="1">
+          <a:gsLst>
+            <a:gs pos="0">
+              <a:schemeClr val="phClr">
+                <a:tint val="40000"/>
+                <a:satMod val="350000"/>
+              </a:schemeClr>
+            </a:gs>
+            <a:gs pos="40000">
+              <a:schemeClr val="phClr">
+                <a:tint val="45000"/>
+                <a:shade val="99000"/>
+                <a:satMod val="350000"/>
+              </a:schemeClr>
+            </a:gs>
+            <a:gs pos="100000">
+              <a:schemeClr val="phClr">
+                <a:shade val="20000"/>
+                <a:satMod val="255000"/>
+              </a:schemeClr>
+            </a:gs>
+          </a:gsLst>
+          <a:path path="circle">
+            <a:fillToRect l="50000" t="-80000" r="50000" b="180000"/>
+          </a:path>
+        </a:gradFill>
+        <a:gradFill rotWithShape="1">
+          <a:gsLst>
+            <a:gs pos="0">
+              <a:schemeClr val="phClr">
+                <a:tint val="80000"/>
+                <a:satMod val="300000"/>
+              </a:schemeClr>
+            </a:gs>
+            <a:gs pos="100000">
+              <a:schemeClr val="phClr">
+                <a:shade val="30000"/>
+                <a:satMod val="200000"/>
+              </a:schemeClr>
+            </a:gs>
+          </a:gsLst>
+          <a:path path="circle">
+            <a:fillToRect l="50000" t="50000" r="50000" b="50000"/>
+          </a:path>
+        </a:gradFill>
+      </a:bgFillStyleLst>
+    </a:fmtScheme>
+  </a:themeElements>
+  <a:objectDefaults/>
+  <a:extraClrSchemeLst/>
+</a:theme>
 </file>
--- a/src/server/default-white.pptx
+++ b/src/server/default-white.pptx
@@ -10,7 +10,7 @@
   <p:handoutMasterIdLst>
     <p:handoutMasterId r:id="rId3"/>
   </p:handoutMasterIdLst>
-  <p:sldSz cx="9144000" cy="6858000" type="screen4x3"/>
+  <p:sldSz cx="12192000" cy="6858000"/>
   <p:notesSz cx="6858000" cy="9144000"/>
   <p:defaultTextStyle>
     <a:defPPr>
@@ -107,6 +107,36 @@
       </a:defRPr>
     </a:lvl9pPr>
   </p:defaultTextStyle>
+  <p:extLst>
+    <p:ext uri="{EFAFB233-063F-42B5-8137-9DF3F51BA10A}">
+      <p15:sldGuideLst xmlns:p15="http://schemas.microsoft.com/office/powerpoint/2012/main">
+        <p15:guide id="1" orient="horz" pos="2160" userDrawn="1">
+          <p15:clr>
+            <a:srgbClr val="A4A3A4"/>
+          </p15:clr>
+        </p15:guide>
+        <p15:guide id="2" pos="3840" userDrawn="1">
+          <p15:clr>
+            <a:srgbClr val="A4A3A4"/>
+          </p15:clr>
+        </p15:guide>
+      </p15:sldGuideLst>
+    </p:ext>
+    <p:ext uri="{2D200454-40CA-4A62-9FC3-DE9A4176ACB9}">
+      <p15:notesGuideLst xmlns:p15="http://schemas.microsoft.com/office/powerpoint/2012/main">
+        <p15:guide id="1" orient="horz" pos="2880">
+          <p15:clr>
+            <a:srgbClr val="A4A3A4"/>
+          </p15:clr>
+        </p15:guide>
+        <p15:guide id="2" pos="2160">
+          <p15:clr>
+            <a:srgbClr val="A4A3A4"/>
+          </p15:clr>
+        </p15:guide>
+      </p15:notesGuideLst>
+    </p:ext>
+  </p:extLst>
 </p:presentation>
 </file>
 
@@ -192,7 +222,7 @@
           <a:p>
             <a:fld id="{8B5267AF-DFA3-4050-831C-1828E4462933}" type="datetimeFigureOut">
               <a:rPr lang="de-DE" smtClean="0"/>
-              <a:t>13.12.2016</a:t>
+              <a:t>11.02.2022</a:t>
             </a:fld>
             <a:endParaRPr lang="de-DE"/>
           </a:p>
@@ -357,7 +387,7 @@
           <a:p>
             <a:fld id="{58D7F3E4-10E4-45BE-B404-BBD4DC34AD07}" type="datetimeFigureOut">
               <a:rPr lang="de-DE" smtClean="0"/>
-              <a:t>13.12.2016</a:t>
+              <a:t>11.02.2022</a:t>
             </a:fld>
             <a:endParaRPr lang="de-DE"/>
           </a:p>
@@ -375,8 +405,8 @@
         </p:nvSpPr>
         <p:spPr>
           <a:xfrm>
-            <a:off x="1143000" y="685800"/>
-            <a:ext cx="4572000" cy="3429000"/>
+            <a:off x="381000" y="685800"/>
+            <a:ext cx="6096000" cy="3429000"/>
           </a:xfrm>
           <a:prstGeom prst="rect">
             <a:avLst/>
@@ -421,38 +451,37 @@
           <a:p>
             <a:pPr lvl="0"/>
             <a:r>
-              <a:rPr lang="de-DE" smtClean="0"/>
+              <a:rPr lang="de-DE"/>
               <a:t>Textmasterformat bearbeiten</a:t>
             </a:r>
           </a:p>
           <a:p>
             <a:pPr lvl="1"/>
             <a:r>
-              <a:rPr lang="de-DE" smtClean="0"/>
+              <a:rPr lang="de-DE"/>
               <a:t>Zweite Ebene</a:t>
             </a:r>
           </a:p>
           <a:p>
             <a:pPr lvl="2"/>
             <a:r>
-              <a:rPr lang="de-DE" smtClean="0"/>
+              <a:rPr lang="de-DE"/>
               <a:t>Dritte Ebene</a:t>
             </a:r>
           </a:p>
           <a:p>
             <a:pPr lvl="3"/>
             <a:r>
-              <a:rPr lang="de-DE" smtClean="0"/>
+              <a:rPr lang="de-DE"/>
               <a:t>Vierte Ebene</a:t>
             </a:r>
           </a:p>
           <a:p>
             <a:pPr lvl="4"/>
             <a:r>
-              <a:rPr lang="de-DE" smtClean="0"/>
+              <a:rPr lang="de-DE"/>
               <a:t>Fünfte Ebene</a:t>
             </a:r>
-            <a:endParaRPr lang="de-DE"/>
           </a:p>
         </p:txBody>
       </p:sp>
@@ -654,8 +683,8 @@
         </p:nvSpPr>
         <p:spPr>
           <a:xfrm>
-            <a:off x="685800" y="197791"/>
-            <a:ext cx="7772400" cy="1470025"/>
+            <a:off x="914400" y="197792"/>
+            <a:ext cx="10363200" cy="1470025"/>
           </a:xfrm>
         </p:spPr>
         <p:txBody>
@@ -663,10 +692,9 @@
           <a:lstStyle/>
           <a:p>
             <a:r>
-              <a:rPr lang="en-US" dirty="0" smtClean="0"/>
+              <a:rPr lang="en-US" dirty="0"/>
               <a:t>Click to edit Master title style</a:t>
             </a:r>
-            <a:endParaRPr lang="en-US" dirty="0"/>
           </a:p>
         </p:txBody>
       </p:sp>
@@ -682,8 +710,8 @@
         </p:nvSpPr>
         <p:spPr>
           <a:xfrm>
-            <a:off x="1371600" y="1869260"/>
-            <a:ext cx="6400800" cy="3769540"/>
+            <a:off x="1828800" y="1869260"/>
+            <a:ext cx="8534400" cy="3769540"/>
           </a:xfrm>
         </p:spPr>
         <p:txBody>
@@ -782,10 +810,9 @@
           </a:lstStyle>
           <a:p>
             <a:r>
-              <a:rPr lang="en-US" dirty="0" smtClean="0"/>
+              <a:rPr lang="en-US" dirty="0"/>
               <a:t>Click to edit Master subtitle style</a:t>
             </a:r>
-            <a:endParaRPr lang="en-US" dirty="0"/>
           </a:p>
         </p:txBody>
       </p:sp>
@@ -806,7 +833,7 @@
           <a:p>
             <a:fld id="{5BCAD085-E8A6-8845-BD4E-CB4CCA059FC4}" type="datetimeFigureOut">
               <a:rPr lang="en-US" smtClean="0"/>
-              <a:t>12/13/2016</a:t>
+              <a:t>2/11/2022</a:t>
             </a:fld>
             <a:endParaRPr lang="en-US"/>
           </a:p>
@@ -864,13 +891,6 @@
   <p:clrMapOvr>
     <a:masterClrMapping/>
   </p:clrMapOvr>
-  <p:timing>
-    <p:tnLst>
-      <p:par>
-        <p:cTn id="1" dur="indefinite" restart="never" nodeType="tmRoot"/>
-      </p:par>
-    </p:tnLst>
-  </p:timing>
 </p:sldLayout>
 </file>
 
@@ -908,7 +928,7 @@
           <a:p>
             <a:fld id="{5BCAD085-E8A6-8845-BD4E-CB4CCA059FC4}" type="datetimeFigureOut">
               <a:rPr lang="en-US" smtClean="0"/>
-              <a:t>12/13/2016</a:t>
+              <a:t>2/11/2022</a:t>
             </a:fld>
             <a:endParaRPr lang="en-US"/>
           </a:p>
@@ -968,8 +988,8 @@
         </p:nvSpPr>
         <p:spPr>
           <a:xfrm>
-            <a:off x="457200" y="347956"/>
-            <a:ext cx="8229600" cy="5818173"/>
+            <a:off x="609600" y="347957"/>
+            <a:ext cx="10972800" cy="5818173"/>
           </a:xfrm>
         </p:spPr>
         <p:txBody>
@@ -990,13 +1010,6 @@
   <p:clrMapOvr>
     <a:masterClrMapping/>
   </p:clrMapOvr>
-  <p:timing>
-    <p:tnLst>
-      <p:par>
-        <p:cTn id="1" dur="indefinite" restart="never" nodeType="tmRoot"/>
-      </p:par>
-    </p:tnLst>
-  </p:timing>
 </p:sldLayout>
 </file>
 
@@ -1034,7 +1047,7 @@
           <a:p>
             <a:fld id="{5BCAD085-E8A6-8845-BD4E-CB4CCA059FC4}" type="datetimeFigureOut">
               <a:rPr lang="en-US" smtClean="0"/>
-              <a:t>12/13/2016</a:t>
+              <a:t>2/11/2022</a:t>
             </a:fld>
             <a:endParaRPr lang="en-US"/>
           </a:p>
@@ -1094,8 +1107,8 @@
         </p:nvSpPr>
         <p:spPr>
           <a:xfrm>
-            <a:off x="457200" y="315589"/>
-            <a:ext cx="8229600" cy="5008969"/>
+            <a:off x="609600" y="315590"/>
+            <a:ext cx="10972800" cy="5008969"/>
           </a:xfrm>
         </p:spPr>
         <p:txBody>
@@ -1118,8 +1131,8 @@
         </p:nvSpPr>
         <p:spPr>
           <a:xfrm>
-            <a:off x="457200" y="5324558"/>
-            <a:ext cx="8229600" cy="914400"/>
+            <a:off x="609600" y="5324558"/>
+            <a:ext cx="10972800" cy="914400"/>
           </a:xfrm>
         </p:spPr>
         <p:txBody>
@@ -1141,13 +1154,6 @@
   <p:clrMapOvr>
     <a:masterClrMapping/>
   </p:clrMapOvr>
-  <p:timing>
-    <p:tnLst>
-      <p:par>
-        <p:cTn id="1" dur="indefinite" restart="never" nodeType="tmRoot"/>
-      </p:par>
-    </p:tnLst>
-  </p:timing>
 </p:sldLayout>
 </file>
 
@@ -1180,8 +1186,8 @@
         </p:nvSpPr>
         <p:spPr>
           <a:xfrm>
-            <a:off x="457200" y="452438"/>
-            <a:ext cx="4040188" cy="5673725"/>
+            <a:off x="609600" y="452439"/>
+            <a:ext cx="5386917" cy="5673725"/>
           </a:xfrm>
         </p:spPr>
         <p:txBody>
@@ -1204,8 +1210,8 @@
         </p:nvSpPr>
         <p:spPr>
           <a:xfrm>
-            <a:off x="4649788" y="452438"/>
-            <a:ext cx="4040188" cy="5673725"/>
+            <a:off x="6199718" y="452439"/>
+            <a:ext cx="5386917" cy="5673725"/>
           </a:xfrm>
         </p:spPr>
         <p:txBody>
@@ -1233,7 +1239,7 @@
           <a:p>
             <a:fld id="{5BCAD085-E8A6-8845-BD4E-CB4CCA059FC4}" type="datetimeFigureOut">
               <a:rPr lang="en-US" smtClean="0"/>
-              <a:t>12/13/2016</a:t>
+              <a:t>2/11/2022</a:t>
             </a:fld>
             <a:endParaRPr lang="en-US"/>
           </a:p>
@@ -1291,13 +1297,6 @@
   <p:clrMapOvr>
     <a:masterClrMapping/>
   </p:clrMapOvr>
-  <p:timing>
-    <p:tnLst>
-      <p:par>
-        <p:cTn id="1" dur="indefinite" restart="never" nodeType="tmRoot"/>
-      </p:par>
-    </p:tnLst>
-  </p:timing>
 </p:sldLayout>
 </file>
 
@@ -1330,8 +1329,8 @@
         </p:nvSpPr>
         <p:spPr>
           <a:xfrm>
-            <a:off x="457200" y="323850"/>
-            <a:ext cx="4040188" cy="4936634"/>
+            <a:off x="609600" y="323850"/>
+            <a:ext cx="5386917" cy="4936634"/>
           </a:xfrm>
         </p:spPr>
         <p:txBody>
@@ -1354,8 +1353,8 @@
         </p:nvSpPr>
         <p:spPr>
           <a:xfrm>
-            <a:off x="4646612" y="323850"/>
-            <a:ext cx="4040188" cy="4936634"/>
+            <a:off x="6195483" y="323850"/>
+            <a:ext cx="5386917" cy="4936634"/>
           </a:xfrm>
         </p:spPr>
         <p:txBody>
@@ -1383,7 +1382,7 @@
           <a:p>
             <a:fld id="{5BCAD085-E8A6-8845-BD4E-CB4CCA059FC4}" type="datetimeFigureOut">
               <a:rPr lang="en-US" smtClean="0"/>
-              <a:t>12/13/2016</a:t>
+              <a:t>2/11/2022</a:t>
             </a:fld>
             <a:endParaRPr lang="en-US"/>
           </a:p>
@@ -1443,8 +1442,8 @@
         </p:nvSpPr>
         <p:spPr>
           <a:xfrm>
-            <a:off x="457200" y="5421791"/>
-            <a:ext cx="4040188" cy="720725"/>
+            <a:off x="609600" y="5421792"/>
+            <a:ext cx="5386917" cy="720725"/>
           </a:xfrm>
         </p:spPr>
         <p:txBody>
@@ -1468,8 +1467,8 @@
         </p:nvSpPr>
         <p:spPr>
           <a:xfrm>
-            <a:off x="4649788" y="5421791"/>
-            <a:ext cx="4040188" cy="720725"/>
+            <a:off x="6199718" y="5421792"/>
+            <a:ext cx="5386917" cy="720725"/>
           </a:xfrm>
         </p:spPr>
         <p:txBody>
@@ -1491,13 +1490,6 @@
   <p:clrMapOvr>
     <a:masterClrMapping/>
   </p:clrMapOvr>
-  <p:timing>
-    <p:tnLst>
-      <p:par>
-        <p:cTn id="1" dur="indefinite" restart="never" nodeType="tmRoot"/>
-      </p:par>
-    </p:tnLst>
-  </p:timing>
 </p:sldLayout>
 </file>
 
@@ -1530,8 +1522,8 @@
         </p:nvSpPr>
         <p:spPr>
           <a:xfrm>
-            <a:off x="685800" y="197792"/>
-            <a:ext cx="7772400" cy="668056"/>
+            <a:off x="914400" y="197792"/>
+            <a:ext cx="10363200" cy="668056"/>
           </a:xfrm>
         </p:spPr>
         <p:txBody>
@@ -1539,10 +1531,9 @@
           <a:lstStyle/>
           <a:p>
             <a:r>
-              <a:rPr lang="en-US" dirty="0" smtClean="0"/>
+              <a:rPr lang="en-US" dirty="0"/>
               <a:t>Click to edit Master title style</a:t>
             </a:r>
-            <a:endParaRPr lang="en-US" dirty="0"/>
           </a:p>
         </p:txBody>
       </p:sp>
@@ -1558,8 +1549,8 @@
         </p:nvSpPr>
         <p:spPr>
           <a:xfrm>
-            <a:off x="685800" y="979137"/>
-            <a:ext cx="7772400" cy="4928050"/>
+            <a:off x="914400" y="979137"/>
+            <a:ext cx="10363200" cy="4928050"/>
           </a:xfrm>
         </p:spPr>
         <p:txBody>
@@ -1581,13 +1572,6 @@
   <p:clrMapOvr>
     <a:masterClrMapping/>
   </p:clrMapOvr>
-  <p:timing>
-    <p:tnLst>
-      <p:par>
-        <p:cTn id="1" dur="indefinite" restart="never" nodeType="tmRoot"/>
-      </p:par>
-    </p:tnLst>
-  </p:timing>
 </p:sldLayout>
 </file>
 
@@ -1625,8 +1609,8 @@
         </p:nvSpPr>
         <p:spPr>
           <a:xfrm>
-            <a:off x="457200" y="274638"/>
-            <a:ext cx="8229600" cy="1143000"/>
+            <a:off x="609600" y="274638"/>
+            <a:ext cx="10972800" cy="1143000"/>
           </a:xfrm>
           <a:prstGeom prst="rect">
             <a:avLst/>
@@ -1639,10 +1623,9 @@
           <a:lstStyle/>
           <a:p>
             <a:r>
-              <a:rPr lang="en-US" smtClean="0"/>
+              <a:rPr lang="en-US"/>
               <a:t>Click to edit Master title style</a:t>
             </a:r>
-            <a:endParaRPr lang="en-US"/>
           </a:p>
         </p:txBody>
       </p:sp>
@@ -1658,8 +1641,8 @@
         </p:nvSpPr>
         <p:spPr>
           <a:xfrm>
-            <a:off x="457200" y="1600200"/>
-            <a:ext cx="8229600" cy="4525963"/>
+            <a:off x="609600" y="1600201"/>
+            <a:ext cx="10972800" cy="4525963"/>
           </a:xfrm>
           <a:prstGeom prst="rect">
             <a:avLst/>
@@ -1673,38 +1656,37 @@
           <a:p>
             <a:pPr lvl="0"/>
             <a:r>
-              <a:rPr lang="en-US" smtClean="0"/>
+              <a:rPr lang="en-US"/>
               <a:t>Click to edit Master text styles</a:t>
             </a:r>
           </a:p>
           <a:p>
             <a:pPr lvl="1"/>
             <a:r>
-              <a:rPr lang="en-US" smtClean="0"/>
+              <a:rPr lang="en-US"/>
               <a:t>Second level</a:t>
             </a:r>
           </a:p>
           <a:p>
             <a:pPr lvl="2"/>
             <a:r>
-              <a:rPr lang="en-US" smtClean="0"/>
+              <a:rPr lang="en-US"/>
               <a:t>Third level</a:t>
             </a:r>
           </a:p>
           <a:p>
             <a:pPr lvl="3"/>
             <a:r>
-              <a:rPr lang="en-US" smtClean="0"/>
+              <a:rPr lang="en-US"/>
               <a:t>Fourth level</a:t>
             </a:r>
           </a:p>
           <a:p>
             <a:pPr lvl="4"/>
             <a:r>
-              <a:rPr lang="en-US" smtClean="0"/>
+              <a:rPr lang="en-US"/>
               <a:t>Fifth level</a:t>
             </a:r>
-            <a:endParaRPr lang="en-US"/>
           </a:p>
         </p:txBody>
       </p:sp>
@@ -1720,8 +1702,8 @@
         </p:nvSpPr>
         <p:spPr>
           <a:xfrm>
-            <a:off x="457200" y="6356350"/>
-            <a:ext cx="2133600" cy="365125"/>
+            <a:off x="609600" y="6356351"/>
+            <a:ext cx="2844800" cy="365125"/>
           </a:xfrm>
           <a:prstGeom prst="rect">
             <a:avLst/>
@@ -1743,7 +1725,7 @@
           <a:p>
             <a:fld id="{5BCAD085-E8A6-8845-BD4E-CB4CCA059FC4}" type="datetimeFigureOut">
               <a:rPr lang="en-US" smtClean="0"/>
-              <a:t>12/13/2016</a:t>
+              <a:t>2/11/2022</a:t>
             </a:fld>
             <a:endParaRPr lang="en-US"/>
           </a:p>
@@ -1761,8 +1743,8 @@
         </p:nvSpPr>
         <p:spPr>
           <a:xfrm>
-            <a:off x="3124200" y="6356350"/>
-            <a:ext cx="2895600" cy="365125"/>
+            <a:off x="4165600" y="6356351"/>
+            <a:ext cx="3860800" cy="365125"/>
           </a:xfrm>
           <a:prstGeom prst="rect">
             <a:avLst/>
@@ -1798,8 +1780,8 @@
         </p:nvSpPr>
         <p:spPr>
           <a:xfrm>
-            <a:off x="6553200" y="6356350"/>
-            <a:ext cx="2133600" cy="365125"/>
+            <a:off x="8737600" y="6356351"/>
+            <a:ext cx="2844800" cy="365125"/>
           </a:xfrm>
           <a:prstGeom prst="rect">
             <a:avLst/>
@@ -1843,13 +1825,6 @@
     <p:sldLayoutId id="2147483655" r:id="rId5"/>
     <p:sldLayoutId id="2147483656" r:id="rId6"/>
   </p:sldLayoutIdLst>
-  <p:timing>
-    <p:tnLst>
-      <p:par>
-        <p:cTn id="1" dur="indefinite" restart="never" nodeType="tmRoot"/>
-      </p:par>
-    </p:tnLst>
-  </p:timing>
   <p:txStyles>
     <p:titleStyle>
       <a:lvl1pPr algn="ctr" defTabSz="457200" rtl="0" eaLnBrk="1" latinLnBrk="0" hangingPunct="1">
